--- a/Template.pptx
+++ b/Template.pptx
@@ -113,7 +113,7 @@
   </p:defaultTextStyle>
   <p:extLst>
     <p:ext uri="{EFAFB233-063F-42B5-8137-9DF3F51BA10A}">
-      <p15:sldGuideLst xmlns:p15="http://schemas.microsoft.com/office/powerpoint/2012/main">
+      <p15:sldGuideLst xmlns="" xmlns:p15="http://schemas.microsoft.com/office/powerpoint/2012/main">
         <p15:guide id="1" orient="horz" pos="2160">
           <p15:clr>
             <a:srgbClr val="A4A3A4"/>
@@ -135,7 +135,7 @@
   <p:cmAuthor id="1" name="Mahajan, Vinay" initials="MV" lastIdx="1" clrIdx="0">
     <p:extLst>
       <p:ext uri="{19B8F6BF-5375-455C-9EA6-DF929625EA0E}">
-        <p15:presenceInfo xmlns:p15="http://schemas.microsoft.com/office/powerpoint/2012/main" userId="S-1-5-21-220523388-1563985344-839522115-179192" providerId="AD"/>
+        <p15:presenceInfo xmlns="" xmlns:p15="http://schemas.microsoft.com/office/powerpoint/2012/main" userId="S-1-5-21-220523388-1563985344-839522115-179192" providerId="AD"/>
       </p:ext>
     </p:extLst>
   </p:cmAuthor>
@@ -225,7 +225,7 @@
             <a:fld id="{5475D08A-A3E7-468D-B25F-56A8C1A55FA4}" type="datetimeFigureOut">
               <a:rPr lang="en-US" smtClean="0"/>
               <a:pPr/>
-              <a:t>7/4/2020</a:t>
+              <a:t>7/19/2020</a:t>
             </a:fld>
             <a:endParaRPr lang="en-IN"/>
           </a:p>
@@ -656,7 +656,7 @@
     </p:spTree>
     <p:extLst>
       <p:ext uri="{BB962C8B-B14F-4D97-AF65-F5344CB8AC3E}">
-        <p14:creationId xmlns:p14="http://schemas.microsoft.com/office/powerpoint/2010/main" val="2299071213"/>
+        <p14:creationId xmlns="" xmlns:p14="http://schemas.microsoft.com/office/powerpoint/2010/main" val="2299071213"/>
       </p:ext>
     </p:extLst>
   </p:cSld>
@@ -749,7 +749,7 @@
     </p:spTree>
     <p:extLst>
       <p:ext uri="{BB962C8B-B14F-4D97-AF65-F5344CB8AC3E}">
-        <p14:creationId xmlns:p14="http://schemas.microsoft.com/office/powerpoint/2010/main" val="1055443560"/>
+        <p14:creationId xmlns="" xmlns:p14="http://schemas.microsoft.com/office/powerpoint/2010/main" val="1055443560"/>
       </p:ext>
     </p:extLst>
   </p:cSld>
@@ -941,7 +941,7 @@
             <a:fld id="{13ED14C0-0590-4BCF-A2BF-D5E35D90D1B5}" type="datetime1">
               <a:rPr lang="en-US" smtClean="0"/>
               <a:pPr/>
-              <a:t>7/4/2020</a:t>
+              <a:t>7/19/2020</a:t>
             </a:fld>
             <a:endParaRPr lang="en-IN"/>
           </a:p>
@@ -1108,7 +1108,7 @@
             <a:fld id="{029A0199-58AE-4DE4-AFB2-A2ABA5EAB57B}" type="datetime1">
               <a:rPr lang="en-US" smtClean="0"/>
               <a:pPr/>
-              <a:t>7/4/2020</a:t>
+              <a:t>7/19/2020</a:t>
             </a:fld>
             <a:endParaRPr lang="en-IN"/>
           </a:p>
@@ -1285,7 +1285,7 @@
             <a:fld id="{500B125C-8A7E-41F9-8025-4D898F965B37}" type="datetime1">
               <a:rPr lang="en-US" smtClean="0"/>
               <a:pPr/>
-              <a:t>7/4/2020</a:t>
+              <a:t>7/19/2020</a:t>
             </a:fld>
             <a:endParaRPr lang="en-IN"/>
           </a:p>
@@ -1452,7 +1452,7 @@
             <a:fld id="{87CD8DF2-98B6-4E80-9D38-36DC8001AE63}" type="datetime1">
               <a:rPr lang="en-US" smtClean="0"/>
               <a:pPr/>
-              <a:t>7/4/2020</a:t>
+              <a:t>7/19/2020</a:t>
             </a:fld>
             <a:endParaRPr lang="en-IN"/>
           </a:p>
@@ -1695,7 +1695,7 @@
             <a:fld id="{7E1D402F-A897-41B7-941B-25AFD9808C21}" type="datetime1">
               <a:rPr lang="en-US" smtClean="0"/>
               <a:pPr/>
-              <a:t>7/4/2020</a:t>
+              <a:t>7/19/2020</a:t>
             </a:fld>
             <a:endParaRPr lang="en-IN"/>
           </a:p>
@@ -1980,7 +1980,7 @@
             <a:fld id="{51084BED-0295-41A8-9054-0FE538EDCB73}" type="datetime1">
               <a:rPr lang="en-US" smtClean="0"/>
               <a:pPr/>
-              <a:t>7/4/2020</a:t>
+              <a:t>7/19/2020</a:t>
             </a:fld>
             <a:endParaRPr lang="en-IN"/>
           </a:p>
@@ -2399,7 +2399,7 @@
             <a:fld id="{E81922EF-18FB-4FFD-AA3E-9F4D8DC6AC34}" type="datetime1">
               <a:rPr lang="en-US" smtClean="0"/>
               <a:pPr/>
-              <a:t>7/4/2020</a:t>
+              <a:t>7/19/2020</a:t>
             </a:fld>
             <a:endParaRPr lang="en-IN"/>
           </a:p>
@@ -2514,7 +2514,7 @@
             <a:fld id="{BBA7A0A7-7DC9-4816-9A02-6F6419EF6406}" type="datetime1">
               <a:rPr lang="en-US" smtClean="0"/>
               <a:pPr/>
-              <a:t>7/4/2020</a:t>
+              <a:t>7/19/2020</a:t>
             </a:fld>
             <a:endParaRPr lang="en-IN"/>
           </a:p>
@@ -2606,7 +2606,7 @@
             <a:fld id="{C4C2B463-DDCC-4352-9C6D-7FCDD1CCAB89}" type="datetime1">
               <a:rPr lang="en-US" smtClean="0"/>
               <a:pPr/>
-              <a:t>7/4/2020</a:t>
+              <a:t>7/19/2020</a:t>
             </a:fld>
             <a:endParaRPr lang="en-IN"/>
           </a:p>
@@ -2880,7 +2880,7 @@
             <a:fld id="{C09ACC42-816E-4477-8DBF-F1FC6F173BD1}" type="datetime1">
               <a:rPr lang="en-US" smtClean="0"/>
               <a:pPr/>
-              <a:t>7/4/2020</a:t>
+              <a:t>7/19/2020</a:t>
             </a:fld>
             <a:endParaRPr lang="en-IN"/>
           </a:p>
@@ -3130,7 +3130,7 @@
             <a:fld id="{AA2DE836-B689-4343-806B-EB82FF61CDC3}" type="datetime1">
               <a:rPr lang="en-US" smtClean="0"/>
               <a:pPr/>
-              <a:t>7/4/2020</a:t>
+              <a:t>7/19/2020</a:t>
             </a:fld>
             <a:endParaRPr lang="en-IN"/>
           </a:p>
@@ -3342,7 +3342,7 @@
             <a:fld id="{9A612963-3B7B-414A-BB97-F26A9A038459}" type="datetime1">
               <a:rPr lang="en-US" smtClean="0"/>
               <a:pPr/>
-              <a:t>7/4/2020</a:t>
+              <a:t>7/19/2020</a:t>
             </a:fld>
             <a:endParaRPr lang="en-IN"/>
           </a:p>
@@ -3774,8 +3774,18 @@
           <a:lstStyle/>
           <a:p>
             <a:r>
-              <a:rPr lang="en-US" dirty="0" smtClean="0"/>
-              <a:t>Evolution and Introduction to Statistics</a:t>
+              <a:rPr lang="en-US" dirty="0" smtClean="0">
+                <a:latin typeface="Times New Roman" panose="02020603050405020304" pitchFamily="18" charset="0"/>
+                <a:cs typeface="Times New Roman" panose="02020603050405020304" pitchFamily="18" charset="0"/>
+              </a:rPr>
+              <a:t>How to apply </a:t>
+            </a:r>
+            <a:r>
+              <a:rPr lang="en-US" dirty="0" err="1" smtClean="0">
+                <a:latin typeface="Times New Roman" panose="02020603050405020304" pitchFamily="18" charset="0"/>
+                <a:cs typeface="Times New Roman" panose="02020603050405020304" pitchFamily="18" charset="0"/>
+              </a:rPr>
+              <a:t>statistcs</a:t>
             </a:r>
             <a:endParaRPr lang="en-IN" dirty="0">
               <a:latin typeface="Times New Roman" panose="02020603050405020304" pitchFamily="18" charset="0"/>
@@ -3802,7 +3812,7 @@
         </p:spPr>
         <p:txBody>
           <a:bodyPr>
-            <a:normAutofit fontScale="55000" lnSpcReduction="20000"/>
+            <a:normAutofit fontScale="70000" lnSpcReduction="20000"/>
           </a:bodyPr>
           <a:lstStyle/>
           <a:p>
@@ -3811,65 +3821,38 @@
                 <a:latin typeface="Times New Roman" panose="02020603050405020304" pitchFamily="18" charset="0"/>
                 <a:cs typeface="Times New Roman" panose="02020603050405020304" pitchFamily="18" charset="0"/>
               </a:rPr>
-              <a:t>Vinay </a:t>
-            </a:r>
+              <a:t>Vinay Mahajan</a:t>
+            </a:r>
+          </a:p>
+          <a:p>
+            <a:r>
+              <a:rPr lang="en-IN" dirty="0" smtClean="0"/>
+              <a:t>Varsha Mahajan</a:t>
+            </a:r>
+            <a:endParaRPr lang="en-IN" dirty="0" smtClean="0">
+              <a:latin typeface="Times New Roman" panose="02020603050405020304" pitchFamily="18" charset="0"/>
+              <a:cs typeface="Times New Roman" panose="02020603050405020304" pitchFamily="18" charset="0"/>
+            </a:endParaRPr>
+          </a:p>
+          <a:p>
+            <a:endParaRPr lang="en-IN" dirty="0" smtClean="0">
+              <a:latin typeface="Times New Roman" panose="02020603050405020304" pitchFamily="18" charset="0"/>
+              <a:cs typeface="Times New Roman" panose="02020603050405020304" pitchFamily="18" charset="0"/>
+            </a:endParaRPr>
+          </a:p>
+          <a:p>
             <a:r>
               <a:rPr lang="en-IN" dirty="0" smtClean="0">
                 <a:latin typeface="Times New Roman" panose="02020603050405020304" pitchFamily="18" charset="0"/>
                 <a:cs typeface="Times New Roman" panose="02020603050405020304" pitchFamily="18" charset="0"/>
               </a:rPr>
-              <a:t>Mahajan</a:t>
+              <a:t>Design of Experiments</a:t>
             </a:r>
           </a:p>
           <a:p>
             <a:r>
               <a:rPr lang="en-IN" dirty="0" smtClean="0"/>
-              <a:t>Varsha Mahajan</a:t>
-            </a:r>
-            <a:endParaRPr lang="en-IN" dirty="0" smtClean="0">
-              <a:latin typeface="Times New Roman" panose="02020603050405020304" pitchFamily="18" charset="0"/>
-              <a:cs typeface="Times New Roman" panose="02020603050405020304" pitchFamily="18" charset="0"/>
-            </a:endParaRPr>
-          </a:p>
-          <a:p>
-            <a:endParaRPr lang="en-IN" dirty="0" smtClean="0">
-              <a:latin typeface="Times New Roman" panose="02020603050405020304" pitchFamily="18" charset="0"/>
-              <a:cs typeface="Times New Roman" panose="02020603050405020304" pitchFamily="18" charset="0"/>
-            </a:endParaRPr>
-          </a:p>
-          <a:p>
-            <a:r>
-              <a:rPr lang="en-IN" dirty="0">
-                <a:latin typeface="Times New Roman" panose="02020603050405020304" pitchFamily="18" charset="0"/>
-                <a:cs typeface="Times New Roman" panose="02020603050405020304" pitchFamily="18" charset="0"/>
-              </a:rPr>
-              <a:t>Objective 1: </a:t>
-            </a:r>
-            <a:r>
-              <a:rPr lang="en-IN" dirty="0" smtClean="0">
-                <a:latin typeface="Times New Roman" panose="02020603050405020304" pitchFamily="18" charset="0"/>
-                <a:cs typeface="Times New Roman" panose="02020603050405020304" pitchFamily="18" charset="0"/>
-              </a:rPr>
-              <a:t>What is statistics?</a:t>
-            </a:r>
-          </a:p>
-          <a:p>
-            <a:r>
-              <a:rPr lang="en-IN" dirty="0" smtClean="0"/>
-              <a:t>Evolution of Statistics</a:t>
-            </a:r>
-          </a:p>
-          <a:p>
-            <a:r>
-              <a:rPr lang="en-IN" dirty="0" smtClean="0">
-                <a:latin typeface="Times New Roman" panose="02020603050405020304" pitchFamily="18" charset="0"/>
-                <a:cs typeface="Times New Roman" panose="02020603050405020304" pitchFamily="18" charset="0"/>
-              </a:rPr>
-              <a:t>Current </a:t>
-            </a:r>
-            <a:r>
-              <a:rPr lang="en-IN" dirty="0" smtClean="0"/>
-              <a:t>applications and benefits</a:t>
+              <a:t>Sampling Theory</a:t>
             </a:r>
             <a:endParaRPr lang="en-IN" dirty="0">
               <a:latin typeface="Times New Roman" panose="02020603050405020304" pitchFamily="18" charset="0"/>
@@ -3946,12 +3929,14 @@
         </p:nvSpPr>
         <p:spPr/>
         <p:txBody>
-          <a:bodyPr/>
+          <a:bodyPr>
+            <a:normAutofit/>
+          </a:bodyPr>
           <a:lstStyle/>
           <a:p>
             <a:r>
               <a:rPr lang="en-US" dirty="0" smtClean="0"/>
-              <a:t>Origin of Statistics</a:t>
+              <a:t>Design of Experiment</a:t>
             </a:r>
             <a:endParaRPr lang="en-US" dirty="0"/>
           </a:p>
@@ -3974,14 +3959,31 @@
           <a:p>
             <a:r>
               <a:rPr lang="en-US" dirty="0" smtClean="0"/>
-              <a:t>Word statistics has been derived from Latin word “Status” or the Italian word “Statista” </a:t>
+              <a:t>DOE is an applied branch of statistics</a:t>
             </a:r>
           </a:p>
           <a:p>
             <a:r>
               <a:rPr lang="en-US" dirty="0" smtClean="0"/>
-              <a:t>Statistics was used by rulers and kings to gather information about Lands, agriculture, population of their states, military potential, their wealth, taxation and other  aspects of government</a:t>
-            </a:r>
+              <a:t>Deals with planning, conducting, analyzing and interpreting tests </a:t>
+            </a:r>
+          </a:p>
+          <a:p>
+            <a:r>
+              <a:rPr lang="en-US" dirty="0" smtClean="0"/>
+              <a:t>Is a systematic method to determin</a:t>
+            </a:r>
+            <a:r>
+              <a:rPr lang="en-US" dirty="0" smtClean="0"/>
+              <a:t>e the relationship between factors affecting a process and the output of that process</a:t>
+            </a:r>
+          </a:p>
+          <a:p>
+            <a:r>
+              <a:rPr lang="en-US" dirty="0" smtClean="0"/>
+              <a:t>It is a process to optimize the output</a:t>
+            </a:r>
+            <a:endParaRPr lang="en-US" dirty="0" smtClean="0"/>
           </a:p>
           <a:p>
             <a:endParaRPr lang="en-US" dirty="0" smtClean="0">
@@ -4020,7 +4022,7 @@
     </p:spTree>
     <p:extLst>
       <p:ext uri="{BB962C8B-B14F-4D97-AF65-F5344CB8AC3E}">
-        <p14:creationId xmlns:p14="http://schemas.microsoft.com/office/powerpoint/2010/main" val="1818009091"/>
+        <p14:creationId xmlns="" xmlns:p14="http://schemas.microsoft.com/office/powerpoint/2010/main" val="1818009091"/>
       </p:ext>
     </p:extLst>
   </p:cSld>
@@ -4064,7 +4066,7 @@
           <a:p>
             <a:r>
               <a:rPr lang="en-US" dirty="0" smtClean="0"/>
-              <a:t>Definition of Statistics</a:t>
+              <a:t>Principles of experimental designs</a:t>
             </a:r>
             <a:endParaRPr lang="en-US" dirty="0"/>
           </a:p>
@@ -4087,8 +4089,25 @@
           <a:p>
             <a:r>
               <a:rPr lang="en-US" dirty="0" smtClean="0"/>
-              <a:t>Statistics is a branch of Mathematics that deals with the scientific collection, organization, presentation, analysis and interpretation of data in order to obtain meaningful information </a:t>
-            </a:r>
+              <a:t>Replication / Repetition – to provide an estimate of experimental error</a:t>
+            </a:r>
+          </a:p>
+          <a:p>
+            <a:r>
+              <a:rPr lang="en-US" dirty="0" smtClean="0"/>
+              <a:t>Randomization – to ensure that this estimate is statistically valid</a:t>
+            </a:r>
+          </a:p>
+          <a:p>
+            <a:r>
+              <a:rPr lang="en-US" dirty="0" smtClean="0"/>
+              <a:t>Local control – to reduce experimental error by making the experiment </a:t>
+            </a:r>
+            <a:r>
+              <a:rPr lang="en-US" smtClean="0"/>
+              <a:t>more efficient</a:t>
+            </a:r>
+            <a:endParaRPr lang="en-US" dirty="0" smtClean="0"/>
           </a:p>
           <a:p>
             <a:pPr marL="0" indent="0">
@@ -4133,7 +4152,7 @@
     </p:spTree>
     <p:extLst>
       <p:ext uri="{BB962C8B-B14F-4D97-AF65-F5344CB8AC3E}">
-        <p14:creationId xmlns:p14="http://schemas.microsoft.com/office/powerpoint/2010/main" val="4067803949"/>
+        <p14:creationId xmlns="" xmlns:p14="http://schemas.microsoft.com/office/powerpoint/2010/main" val="4067803949"/>
       </p:ext>
     </p:extLst>
   </p:cSld>
@@ -4312,7 +4331,7 @@
     </p:spTree>
     <p:extLst>
       <p:ext uri="{BB962C8B-B14F-4D97-AF65-F5344CB8AC3E}">
-        <p14:creationId xmlns:p14="http://schemas.microsoft.com/office/powerpoint/2010/main" val="2303405003"/>
+        <p14:creationId xmlns="" xmlns:p14="http://schemas.microsoft.com/office/powerpoint/2010/main" val="2303405003"/>
       </p:ext>
     </p:extLst>
   </p:cSld>
@@ -4455,7 +4474,7 @@
     </p:spTree>
     <p:extLst>
       <p:ext uri="{BB962C8B-B14F-4D97-AF65-F5344CB8AC3E}">
-        <p14:creationId xmlns:p14="http://schemas.microsoft.com/office/powerpoint/2010/main" val="3356947773"/>
+        <p14:creationId xmlns="" xmlns:p14="http://schemas.microsoft.com/office/powerpoint/2010/main" val="3356947773"/>
       </p:ext>
     </p:extLst>
   </p:cSld>
